--- a/Assignment_1.pptx
+++ b/Assignment_1.pptx
@@ -117,6 +117,11 @@
       </a:defRPr>
     </a:lvl9pPr>
   </p:defaultTextStyle>
+  <p:extLst>
+    <p:ext uri="{EFAFB233-063F-42B5-8137-9DF3F51BA10A}">
+      <p15:sldGuideLst xmlns:p15="http://schemas.microsoft.com/office/powerpoint/2012/main"/>
+    </p:ext>
+  </p:extLst>
 </p:presentation>
 </file>
 
@@ -291,7 +296,7 @@
           <a:p>
             <a:fld id="{48A87A34-81AB-432B-8DAE-1953F412C126}" type="datetimeFigureOut">
               <a:rPr lang="en-US" dirty="0"/>
-              <a:t>2/3/17</a:t>
+              <a:t>2/4/17</a:t>
             </a:fld>
             <a:endParaRPr lang="en-US" dirty="0"/>
           </a:p>
@@ -598,7 +603,7 @@
           <a:p>
             <a:fld id="{48A87A34-81AB-432B-8DAE-1953F412C126}" type="datetimeFigureOut">
               <a:rPr lang="en-US" dirty="0"/>
-              <a:t>2/3/17</a:t>
+              <a:t>2/4/17</a:t>
             </a:fld>
             <a:endParaRPr lang="en-US" dirty="0"/>
           </a:p>
@@ -815,7 +820,7 @@
           <a:p>
             <a:fld id="{48A87A34-81AB-432B-8DAE-1953F412C126}" type="datetimeFigureOut">
               <a:rPr lang="en-US" dirty="0"/>
-              <a:t>2/3/17</a:t>
+              <a:t>2/4/17</a:t>
             </a:fld>
             <a:endParaRPr lang="en-US" dirty="0"/>
           </a:p>
@@ -1101,7 +1106,7 @@
           <a:p>
             <a:fld id="{48A87A34-81AB-432B-8DAE-1953F412C126}" type="datetimeFigureOut">
               <a:rPr lang="en-US" dirty="0"/>
-              <a:t>2/3/17</a:t>
+              <a:t>2/4/17</a:t>
             </a:fld>
             <a:endParaRPr lang="en-US" dirty="0"/>
           </a:p>
@@ -1550,7 +1555,7 @@
           <a:p>
             <a:fld id="{48A87A34-81AB-432B-8DAE-1953F412C126}" type="datetimeFigureOut">
               <a:rPr lang="en-US" dirty="0"/>
-              <a:t>2/3/17</a:t>
+              <a:t>2/4/17</a:t>
             </a:fld>
             <a:endParaRPr lang="en-US" dirty="0"/>
           </a:p>
@@ -2121,7 +2126,7 @@
           <a:p>
             <a:fld id="{48A87A34-81AB-432B-8DAE-1953F412C126}" type="datetimeFigureOut">
               <a:rPr lang="en-US" dirty="0"/>
-              <a:t>2/3/17</a:t>
+              <a:t>2/4/17</a:t>
             </a:fld>
             <a:endParaRPr lang="en-US" dirty="0"/>
           </a:p>
@@ -2968,7 +2973,7 @@
           <a:p>
             <a:fld id="{48A87A34-81AB-432B-8DAE-1953F412C126}" type="datetimeFigureOut">
               <a:rPr lang="en-US" dirty="0"/>
-              <a:t>2/3/17</a:t>
+              <a:t>2/4/17</a:t>
             </a:fld>
             <a:endParaRPr lang="en-US" dirty="0"/>
           </a:p>
@@ -3168,7 +3173,7 @@
           <a:p>
             <a:fld id="{48A87A34-81AB-432B-8DAE-1953F412C126}" type="datetimeFigureOut">
               <a:rPr lang="en-US" dirty="0"/>
-              <a:t>2/3/17</a:t>
+              <a:t>2/4/17</a:t>
             </a:fld>
             <a:endParaRPr lang="en-US" dirty="0"/>
           </a:p>
@@ -3377,7 +3382,7 @@
           <a:p>
             <a:fld id="{48A87A34-81AB-432B-8DAE-1953F412C126}" type="datetimeFigureOut">
               <a:rPr lang="en-US" dirty="0"/>
-              <a:t>2/3/17</a:t>
+              <a:t>2/4/17</a:t>
             </a:fld>
             <a:endParaRPr lang="en-US" dirty="0"/>
           </a:p>
@@ -3577,7 +3582,7 @@
           <a:p>
             <a:fld id="{48A87A34-81AB-432B-8DAE-1953F412C126}" type="datetimeFigureOut">
               <a:rPr lang="en-US" dirty="0"/>
-              <a:t>2/3/17</a:t>
+              <a:t>2/4/17</a:t>
             </a:fld>
             <a:endParaRPr lang="en-US" dirty="0"/>
           </a:p>
@@ -3852,7 +3857,7 @@
           <a:p>
             <a:fld id="{48A87A34-81AB-432B-8DAE-1953F412C126}" type="datetimeFigureOut">
               <a:rPr lang="en-US" dirty="0"/>
-              <a:t>2/3/17</a:t>
+              <a:t>2/4/17</a:t>
             </a:fld>
             <a:endParaRPr lang="en-US" dirty="0"/>
           </a:p>
@@ -4114,7 +4119,7 @@
           <a:p>
             <a:fld id="{48A87A34-81AB-432B-8DAE-1953F412C126}" type="datetimeFigureOut">
               <a:rPr lang="en-US" dirty="0"/>
-              <a:t>2/3/17</a:t>
+              <a:t>2/4/17</a:t>
             </a:fld>
             <a:endParaRPr lang="en-US" dirty="0"/>
           </a:p>
@@ -4524,7 +4529,7 @@
           <a:p>
             <a:fld id="{48A87A34-81AB-432B-8DAE-1953F412C126}" type="datetimeFigureOut">
               <a:rPr lang="en-US" dirty="0"/>
-              <a:t>2/3/17</a:t>
+              <a:t>2/4/17</a:t>
             </a:fld>
             <a:endParaRPr lang="en-US" dirty="0"/>
           </a:p>
@@ -4667,7 +4672,7 @@
           <a:p>
             <a:fld id="{48A87A34-81AB-432B-8DAE-1953F412C126}" type="datetimeFigureOut">
               <a:rPr lang="en-US" dirty="0"/>
-              <a:t>2/3/17</a:t>
+              <a:t>2/4/17</a:t>
             </a:fld>
             <a:endParaRPr lang="en-US" dirty="0"/>
           </a:p>
@@ -4787,7 +4792,7 @@
           <a:p>
             <a:fld id="{48A87A34-81AB-432B-8DAE-1953F412C126}" type="datetimeFigureOut">
               <a:rPr lang="en-US" dirty="0"/>
-              <a:t>2/3/17</a:t>
+              <a:t>2/4/17</a:t>
             </a:fld>
             <a:endParaRPr lang="en-US" dirty="0"/>
           </a:p>
@@ -5061,7 +5066,7 @@
           <a:p>
             <a:fld id="{48A87A34-81AB-432B-8DAE-1953F412C126}" type="datetimeFigureOut">
               <a:rPr lang="en-US" dirty="0"/>
-              <a:t>2/3/17</a:t>
+              <a:t>2/4/17</a:t>
             </a:fld>
             <a:endParaRPr lang="en-US" dirty="0"/>
           </a:p>
@@ -5368,7 +5373,7 @@
           <a:p>
             <a:fld id="{48A87A34-81AB-432B-8DAE-1953F412C126}" type="datetimeFigureOut">
               <a:rPr lang="en-US" dirty="0"/>
-              <a:t>2/3/17</a:t>
+              <a:t>2/4/17</a:t>
             </a:fld>
             <a:endParaRPr lang="en-US" dirty="0"/>
           </a:p>
@@ -5617,7 +5622,7 @@
             <a:fld id="{48A87A34-81AB-432B-8DAE-1953F412C126}" type="datetimeFigureOut">
               <a:rPr lang="en-US" dirty="0"/>
               <a:pPr/>
-              <a:t>2/3/17</a:t>
+              <a:t>2/4/17</a:t>
             </a:fld>
             <a:endParaRPr lang="en-US" dirty="0"/>
           </a:p>
@@ -6293,17 +6298,56 @@
                 <a:ea typeface="American Typewriter" charset="0"/>
                 <a:cs typeface="American Typewriter" charset="0"/>
               </a:rPr>
-              <a:t> (all the records).</a:t>
-            </a:r>
-          </a:p>
-          <a:p>
+              <a:t> (all the records</a:t>
+            </a:r>
             <a:r>
               <a:rPr lang="en-US" cap="none" dirty="0" smtClean="0">
                 <a:latin typeface="American Typewriter" charset="0"/>
                 <a:ea typeface="American Typewriter" charset="0"/>
                 <a:cs typeface="American Typewriter" charset="0"/>
               </a:rPr>
-              <a:t>Remove the words we still use today, and get the stop words list. Show the top 5 elements. </a:t>
+              <a:t>).</a:t>
+            </a:r>
+          </a:p>
+          <a:p>
+            <a:r>
+              <a:rPr lang="en-US" cap="none" dirty="0" smtClean="0">
+                <a:latin typeface="American Typewriter" charset="0"/>
+                <a:ea typeface="American Typewriter" charset="0"/>
+                <a:cs typeface="American Typewriter" charset="0"/>
+              </a:rPr>
+              <a:t>Remove stop words.</a:t>
+            </a:r>
+            <a:endParaRPr lang="en-US" cap="none" dirty="0" smtClean="0">
+              <a:latin typeface="American Typewriter" charset="0"/>
+              <a:ea typeface="American Typewriter" charset="0"/>
+              <a:cs typeface="American Typewriter" charset="0"/>
+            </a:endParaRPr>
+          </a:p>
+          <a:p>
+            <a:r>
+              <a:rPr lang="en-US" cap="none" dirty="0" smtClean="0">
+                <a:latin typeface="American Typewriter" charset="0"/>
+                <a:ea typeface="American Typewriter" charset="0"/>
+                <a:cs typeface="American Typewriter" charset="0"/>
+              </a:rPr>
+              <a:t>Remove the words we still use today, and get the </a:t>
+            </a:r>
+            <a:r>
+              <a:rPr lang="en-US" cap="none" dirty="0" smtClean="0">
+                <a:latin typeface="American Typewriter" charset="0"/>
+                <a:ea typeface="American Typewriter" charset="0"/>
+                <a:cs typeface="American Typewriter" charset="0"/>
+              </a:rPr>
+              <a:t>unused list</a:t>
+            </a:r>
+            <a:r>
+              <a:rPr lang="en-US" cap="none" dirty="0" smtClean="0">
+                <a:latin typeface="American Typewriter" charset="0"/>
+                <a:ea typeface="American Typewriter" charset="0"/>
+                <a:cs typeface="American Typewriter" charset="0"/>
+              </a:rPr>
+              <a:t>. Show the top 5 elements. </a:t>
             </a:r>
             <a:endParaRPr lang="en-US" cap="none" dirty="0">
               <a:latin typeface="American Typewriter" charset="0"/>
@@ -6397,15 +6441,7 @@
                 <a:ea typeface="American Typewriter" charset="0"/>
                 <a:cs typeface="American Typewriter" charset="0"/>
               </a:rPr>
-              <a:t>Under </a:t>
-            </a:r>
-            <a:r>
-              <a:rPr lang="en-US" cap="none" dirty="0">
-                <a:latin typeface="American Typewriter" charset="0"/>
-                <a:ea typeface="American Typewriter" charset="0"/>
-                <a:cs typeface="American Typewriter" charset="0"/>
-              </a:rPr>
-              <a:t>Inaugural </a:t>
+              <a:t>Under Inaugural </a:t>
             </a:r>
             <a:r>
               <a:rPr lang="en-US" cap="none" dirty="0" smtClean="0">

--- a/Assignment_1.pptx
+++ b/Assignment_1.pptx
@@ -6298,56 +6298,43 @@
                 <a:ea typeface="American Typewriter" charset="0"/>
                 <a:cs typeface="American Typewriter" charset="0"/>
               </a:rPr>
-              <a:t> (all the records</a:t>
-            </a:r>
+              <a:t> (all the records).</a:t>
+            </a:r>
+          </a:p>
+          <a:p>
             <a:r>
               <a:rPr lang="en-US" cap="none" dirty="0" smtClean="0">
                 <a:latin typeface="American Typewriter" charset="0"/>
                 <a:ea typeface="American Typewriter" charset="0"/>
                 <a:cs typeface="American Typewriter" charset="0"/>
               </a:rPr>
-              <a:t>).</a:t>
-            </a:r>
-          </a:p>
-          <a:p>
+              <a:t>Remove </a:t>
+            </a:r>
             <a:r>
               <a:rPr lang="en-US" cap="none" dirty="0" smtClean="0">
                 <a:latin typeface="American Typewriter" charset="0"/>
                 <a:ea typeface="American Typewriter" charset="0"/>
                 <a:cs typeface="American Typewriter" charset="0"/>
               </a:rPr>
-              <a:t>Remove stop words.</a:t>
-            </a:r>
-            <a:endParaRPr lang="en-US" cap="none" dirty="0" smtClean="0">
-              <a:latin typeface="American Typewriter" charset="0"/>
-              <a:ea typeface="American Typewriter" charset="0"/>
-              <a:cs typeface="American Typewriter" charset="0"/>
-            </a:endParaRPr>
-          </a:p>
-          <a:p>
+              <a:t>punctuation and stop </a:t>
+            </a:r>
             <a:r>
               <a:rPr lang="en-US" cap="none" dirty="0" smtClean="0">
                 <a:latin typeface="American Typewriter" charset="0"/>
                 <a:ea typeface="American Typewriter" charset="0"/>
                 <a:cs typeface="American Typewriter" charset="0"/>
               </a:rPr>
-              <a:t>Remove the words we still use today, and get the </a:t>
-            </a:r>
+              <a:t>words.</a:t>
+            </a:r>
+          </a:p>
+          <a:p>
             <a:r>
               <a:rPr lang="en-US" cap="none" dirty="0" smtClean="0">
                 <a:latin typeface="American Typewriter" charset="0"/>
                 <a:ea typeface="American Typewriter" charset="0"/>
                 <a:cs typeface="American Typewriter" charset="0"/>
               </a:rPr>
-              <a:t>unused list</a:t>
-            </a:r>
-            <a:r>
-              <a:rPr lang="en-US" cap="none" dirty="0" smtClean="0">
-                <a:latin typeface="American Typewriter" charset="0"/>
-                <a:ea typeface="American Typewriter" charset="0"/>
-                <a:cs typeface="American Typewriter" charset="0"/>
-              </a:rPr>
-              <a:t>. Show the top 5 elements. </a:t>
+              <a:t>Remove the words we still use today, and get the unused list. Show the top 5 elements. </a:t>
             </a:r>
             <a:endParaRPr lang="en-US" cap="none" dirty="0">
               <a:latin typeface="American Typewriter" charset="0"/>
@@ -7716,8 +7703,31 @@
                 <a:ea typeface="American Typewriter" charset="0"/>
                 <a:cs typeface="American Typewriter" charset="0"/>
               </a:rPr>
-              <a:t> module.</a:t>
-            </a:r>
+              <a:t> module</a:t>
+            </a:r>
+            <a:r>
+              <a:rPr lang="en-US" cap="none" dirty="0" smtClean="0">
+                <a:latin typeface="American Typewriter" charset="0"/>
+                <a:ea typeface="American Typewriter" charset="0"/>
+                <a:cs typeface="American Typewriter" charset="0"/>
+              </a:rPr>
+              <a:t>.</a:t>
+            </a:r>
+          </a:p>
+          <a:p>
+            <a:r>
+              <a:rPr lang="en-US" cap="none" dirty="0" smtClean="0">
+                <a:latin typeface="American Typewriter" charset="0"/>
+                <a:ea typeface="American Typewriter" charset="0"/>
+                <a:cs typeface="American Typewriter" charset="0"/>
+              </a:rPr>
+              <a:t>Keep the punctuation and stop words in this question.</a:t>
+            </a:r>
+            <a:endParaRPr lang="en-US" cap="none" dirty="0" smtClean="0">
+              <a:latin typeface="American Typewriter" charset="0"/>
+              <a:ea typeface="American Typewriter" charset="0"/>
+              <a:cs typeface="American Typewriter" charset="0"/>
+            </a:endParaRPr>
           </a:p>
           <a:p>
             <a:endParaRPr lang="en-US" dirty="0"/>
